--- a/1 Diseño/Presentación UML CU 26 de Julio.pptx
+++ b/1 Diseño/Presentación UML CU 26 de Julio.pptx
@@ -223,7 +223,7 @@
           <a:p>
             <a:fld id="{9E370663-0535-4757-B622-8BDCF323D9AA}" type="datetimeFigureOut">
               <a:rPr lang="es-CL" smtClean="0"/>
-              <a:t>26-07-2013</a:t>
+              <a:t>31-07-2013</a:t>
             </a:fld>
             <a:endParaRPr lang="es-CL"/>
           </a:p>
@@ -389,7 +389,7 @@
           <a:p>
             <a:fld id="{A4FD6FCA-4C8C-4C7A-9D64-863A04F0DD25}" type="datetimeFigureOut">
               <a:rPr lang="es-CL" smtClean="0"/>
-              <a:t>26-07-2013</a:t>
+              <a:t>31-07-2013</a:t>
             </a:fld>
             <a:endParaRPr lang="es-CL"/>
           </a:p>
@@ -930,7 +930,7 @@
           <a:p>
             <a:fld id="{B9587E2E-4BF4-4923-8405-9AF029C3C282}" type="datetime1">
               <a:rPr lang="es-CL" smtClean="0"/>
-              <a:t>26-07-2013</a:t>
+              <a:t>31-07-2013</a:t>
             </a:fld>
             <a:endParaRPr lang="es-CL"/>
           </a:p>
@@ -1134,7 +1134,7 @@
           <a:p>
             <a:fld id="{5004F553-F768-4FCE-B2B7-409D7E4A1BD1}" type="datetime1">
               <a:rPr lang="es-CL" smtClean="0"/>
-              <a:t>26-07-2013</a:t>
+              <a:t>31-07-2013</a:t>
             </a:fld>
             <a:endParaRPr lang="es-CL"/>
           </a:p>
@@ -1313,7 +1313,7 @@
           <a:p>
             <a:fld id="{160FD427-FF7E-41B6-AFA2-E8795429540D}" type="datetime1">
               <a:rPr lang="es-CL" smtClean="0"/>
-              <a:t>26-07-2013</a:t>
+              <a:t>31-07-2013</a:t>
             </a:fld>
             <a:endParaRPr lang="es-CL"/>
           </a:p>
@@ -1482,7 +1482,7 @@
           <a:p>
             <a:fld id="{137D96B1-2FD0-45E2-B5E2-806C468DD8F2}" type="datetime1">
               <a:rPr lang="es-CL" smtClean="0"/>
-              <a:t>26-07-2013</a:t>
+              <a:t>31-07-2013</a:t>
             </a:fld>
             <a:endParaRPr lang="es-CL"/>
           </a:p>
@@ -1734,7 +1734,7 @@
           <a:p>
             <a:fld id="{A7980C4B-4356-4839-9ACD-DA82F77558AA}" type="datetime1">
               <a:rPr lang="es-CL" smtClean="0"/>
-              <a:t>26-07-2013</a:t>
+              <a:t>31-07-2013</a:t>
             </a:fld>
             <a:endParaRPr lang="es-CL"/>
           </a:p>
@@ -2056,7 +2056,7 @@
           <a:p>
             <a:fld id="{1FC21BCA-1D8B-4AF2-B580-2717202834BE}" type="datetime1">
               <a:rPr lang="es-CL" smtClean="0"/>
-              <a:t>26-07-2013</a:t>
+              <a:t>31-07-2013</a:t>
             </a:fld>
             <a:endParaRPr lang="es-CL"/>
           </a:p>
@@ -2526,7 +2526,7 @@
           <a:p>
             <a:fld id="{9C2DF6AE-C0DE-4367-B007-14D1A88B38F8}" type="datetime1">
               <a:rPr lang="es-CL" smtClean="0"/>
-              <a:t>26-07-2013</a:t>
+              <a:t>31-07-2013</a:t>
             </a:fld>
             <a:endParaRPr lang="es-CL"/>
           </a:p>
@@ -2678,7 +2678,7 @@
           <a:p>
             <a:fld id="{4B69AAB7-1D4B-4782-932E-8D6BA1AFE6E7}" type="datetime1">
               <a:rPr lang="es-CL" smtClean="0"/>
-              <a:t>26-07-2013</a:t>
+              <a:t>31-07-2013</a:t>
             </a:fld>
             <a:endParaRPr lang="es-CL"/>
           </a:p>
@@ -2772,7 +2772,7 @@
           <a:p>
             <a:fld id="{A0EEEE36-D403-4DC1-A543-EE5FA88F8E4E}" type="datetime1">
               <a:rPr lang="es-CL" smtClean="0"/>
-              <a:t>26-07-2013</a:t>
+              <a:t>31-07-2013</a:t>
             </a:fld>
             <a:endParaRPr lang="es-CL"/>
           </a:p>
@@ -3050,7 +3050,7 @@
           <a:p>
             <a:fld id="{D87128E7-3979-4DC1-8C74-652F10A1D9DB}" type="datetime1">
               <a:rPr lang="es-CL" smtClean="0"/>
-              <a:t>26-07-2013</a:t>
+              <a:t>31-07-2013</a:t>
             </a:fld>
             <a:endParaRPr lang="es-CL"/>
           </a:p>
@@ -3359,7 +3359,7 @@
           <a:p>
             <a:fld id="{BE0BA7D6-FD50-47D3-A6BF-1E54475E2796}" type="datetime1">
               <a:rPr lang="es-CL" smtClean="0"/>
-              <a:t>26-07-2013</a:t>
+              <a:t>31-07-2013</a:t>
             </a:fld>
             <a:endParaRPr lang="es-CL"/>
           </a:p>
@@ -3661,7 +3661,7 @@
           <a:p>
             <a:fld id="{51A8F25F-32B5-47E3-9518-F337C91BB555}" type="datetime1">
               <a:rPr lang="es-CL" smtClean="0"/>
-              <a:t>26-07-2013</a:t>
+              <a:t>31-07-2013</a:t>
             </a:fld>
             <a:endParaRPr lang="es-CL"/>
           </a:p>
@@ -4572,7 +4572,12 @@
             <p:ph type="title"/>
           </p:nvPr>
         </p:nvSpPr>
-        <p:spPr/>
+        <p:spPr>
+          <a:xfrm>
+            <a:off x="323528" y="341412"/>
+            <a:ext cx="8229600" cy="990600"/>
+          </a:xfrm>
+        </p:spPr>
         <p:txBody>
           <a:bodyPr/>
           <a:lstStyle/>
@@ -4585,34 +4590,6 @@
           </a:p>
         </p:txBody>
       </p:sp>
-      <p:pic>
-        <p:nvPicPr>
-          <p:cNvPr id="4" name="Marcador de contenido 3"/>
-          <p:cNvPicPr>
-            <a:picLocks noGrp="1" noChangeAspect="1"/>
-          </p:cNvPicPr>
-          <p:nvPr>
-            <p:ph idx="1"/>
-          </p:nvPr>
-        </p:nvPicPr>
-        <p:blipFill rotWithShape="1">
-          <a:blip r:embed="rId2">
-            <a:extLst>
-              <a:ext uri="{28A0092B-C50C-407E-A947-70E740481C1C}">
-                <a14:useLocalDpi xmlns:a14="http://schemas.microsoft.com/office/drawing/2010/main" val="0"/>
-              </a:ext>
-            </a:extLst>
-          </a:blip>
-          <a:srcRect r="16833" b="25271"/>
-          <a:stretch/>
-        </p:blipFill>
-        <p:spPr>
-          <a:xfrm>
-            <a:off x="971600" y="1536757"/>
-            <a:ext cx="6624736" cy="4464496"/>
-          </a:xfrm>
-        </p:spPr>
-      </p:pic>
     </p:spTree>
     <p:extLst>
       <p:ext uri="{BB962C8B-B14F-4D97-AF65-F5344CB8AC3E}">
@@ -5410,11 +5387,7 @@
           <a:p>
             <a:r>
               <a:rPr lang="es-CL" dirty="0" smtClean="0"/>
-              <a:t>Casos de </a:t>
-            </a:r>
-            <a:r>
-              <a:rPr lang="es-CL" dirty="0" smtClean="0"/>
-              <a:t>Uso Alto Nivel</a:t>
+              <a:t>Casos de Uso Alto Nivel</a:t>
             </a:r>
             <a:endParaRPr lang="es-CL" dirty="0"/>
           </a:p>
